--- a/Semester 6/Diploma/Презентация Дипломная Работа Чобану Артём I1902.pptx
+++ b/Semester 6/Diploma/Презентация Дипломная Работа Чобану Артём I1902.pptx
@@ -4081,7 +4081,15 @@
             </a:r>
             <a:r>
               <a:rPr lang="ru-RU" sz="2400" dirty="0"/>
-              <a:t>– это</a:t>
+              <a:t>– это способ создания приложения при помощи разделения его на несколько </a:t>
+            </a:r>
+            <a:r>
+              <a:rPr lang="ru-RU" sz="2400" b="1" dirty="0"/>
+              <a:t>слабо связанных </a:t>
+            </a:r>
+            <a:r>
+              <a:rPr lang="ru-RU" sz="2400" dirty="0"/>
+              <a:t>и взаимодействующих друг с другом Сервисов.</a:t>
             </a:r>
             <a:endParaRPr lang="en-US" sz="2400" dirty="0"/>
           </a:p>
@@ -4304,9 +4312,85 @@
               <a:buNone/>
             </a:pPr>
             <a:r>
+              <a:rPr lang="ru-MD" sz="2400" b="1" dirty="0"/>
+              <a:t>Проект состоит из:</a:t>
+            </a:r>
+          </a:p>
+          <a:p>
+            <a:r>
+              <a:rPr lang="en-US" sz="2400" dirty="0" err="1"/>
+              <a:t>DiplomaChat.SingleSignOn</a:t>
+            </a:r>
+            <a:endParaRPr lang="en-US" sz="2400" dirty="0"/>
+          </a:p>
+          <a:p>
+            <a:r>
+              <a:rPr lang="en-US" sz="2400" dirty="0" err="1"/>
+              <a:t>DiplomaChat</a:t>
+            </a:r>
+            <a:endParaRPr lang="en-US" sz="2400" dirty="0"/>
+          </a:p>
+          <a:p>
+            <a:r>
+              <a:rPr lang="en-US" sz="2400" dirty="0" err="1"/>
+              <a:t>DiplomaChat.Insession</a:t>
+            </a:r>
+            <a:endParaRPr lang="en-US" sz="2400" dirty="0"/>
+          </a:p>
+          <a:p>
+            <a:r>
+              <a:rPr lang="en-US" sz="2400" dirty="0" err="1"/>
+              <a:t>DiplomaChat.UI</a:t>
+            </a:r>
+            <a:endParaRPr lang="en-US" sz="2400" dirty="0"/>
+          </a:p>
+          <a:p>
+            <a:pPr marL="0" indent="0">
+              <a:buNone/>
+            </a:pPr>
+            <a:endParaRPr lang="ru-MD" sz="2400" dirty="0"/>
+          </a:p>
+          <a:p>
+            <a:pPr marL="0" indent="0">
+              <a:buNone/>
+            </a:pPr>
+            <a:r>
+              <a:rPr lang="ru-MD" sz="2400" b="1" dirty="0"/>
+              <a:t>Вспомагательные Сервисы:</a:t>
+            </a:r>
+            <a:endParaRPr lang="en-US" sz="2400" b="1" dirty="0"/>
+          </a:p>
+          <a:p>
+            <a:r>
+              <a:rPr lang="en-US" sz="2400" dirty="0"/>
+              <a:t>RabbitMQ</a:t>
+            </a:r>
+          </a:p>
+          <a:p>
+            <a:pPr marL="0" indent="0">
+              <a:buNone/>
+            </a:pPr>
+            <a:endParaRPr lang="ru-MD" sz="2400" dirty="0"/>
+          </a:p>
+          <a:p>
+            <a:pPr marL="0" indent="0">
+              <a:buNone/>
+            </a:pPr>
+            <a:r>
+              <a:rPr lang="ru-MD" sz="2400" b="1" dirty="0"/>
+              <a:t>СУБД:</a:t>
+            </a:r>
+            <a:r>
               <a:rPr lang="ru-MD" sz="2400" dirty="0"/>
-              <a:t>Проект состоит из:</a:t>
-            </a:r>
+              <a:t> </a:t>
+            </a:r>
+            <a:r>
+              <a:rPr lang="en-US" sz="2400" dirty="0"/>
+              <a:t>MS SQL Server 2019</a:t>
+            </a:r>
+          </a:p>
+          <a:p>
+            <a:endParaRPr lang="ru-MD" sz="2400" dirty="0"/>
           </a:p>
           <a:p>
             <a:pPr marL="0" indent="0">

--- a/Semester 6/Diploma/Презентация Дипломная Работа Чобану Артём I1902.pptx
+++ b/Semester 6/Diploma/Презентация Дипломная Работа Чобану Артём I1902.pptx
@@ -268,7 +268,7 @@
           <a:p>
             <a:fld id="{44F6E6CA-0C81-45C2-8A35-68BBF7309D72}" type="datetimeFigureOut">
               <a:rPr lang="en-US" smtClean="0"/>
-              <a:t>5/2/2022</a:t>
+              <a:t>5/4/2022</a:t>
             </a:fld>
             <a:endParaRPr lang="en-US"/>
           </a:p>
@@ -468,7 +468,7 @@
           <a:p>
             <a:fld id="{44F6E6CA-0C81-45C2-8A35-68BBF7309D72}" type="datetimeFigureOut">
               <a:rPr lang="en-US" smtClean="0"/>
-              <a:t>5/2/2022</a:t>
+              <a:t>5/4/2022</a:t>
             </a:fld>
             <a:endParaRPr lang="en-US"/>
           </a:p>
@@ -678,7 +678,7 @@
           <a:p>
             <a:fld id="{44F6E6CA-0C81-45C2-8A35-68BBF7309D72}" type="datetimeFigureOut">
               <a:rPr lang="en-US" smtClean="0"/>
-              <a:t>5/2/2022</a:t>
+              <a:t>5/4/2022</a:t>
             </a:fld>
             <a:endParaRPr lang="en-US"/>
           </a:p>
@@ -878,7 +878,7 @@
           <a:p>
             <a:fld id="{44F6E6CA-0C81-45C2-8A35-68BBF7309D72}" type="datetimeFigureOut">
               <a:rPr lang="en-US" smtClean="0"/>
-              <a:t>5/2/2022</a:t>
+              <a:t>5/4/2022</a:t>
             </a:fld>
             <a:endParaRPr lang="en-US"/>
           </a:p>
@@ -1154,7 +1154,7 @@
           <a:p>
             <a:fld id="{44F6E6CA-0C81-45C2-8A35-68BBF7309D72}" type="datetimeFigureOut">
               <a:rPr lang="en-US" smtClean="0"/>
-              <a:t>5/2/2022</a:t>
+              <a:t>5/4/2022</a:t>
             </a:fld>
             <a:endParaRPr lang="en-US"/>
           </a:p>
@@ -1422,7 +1422,7 @@
           <a:p>
             <a:fld id="{44F6E6CA-0C81-45C2-8A35-68BBF7309D72}" type="datetimeFigureOut">
               <a:rPr lang="en-US" smtClean="0"/>
-              <a:t>5/2/2022</a:t>
+              <a:t>5/4/2022</a:t>
             </a:fld>
             <a:endParaRPr lang="en-US"/>
           </a:p>
@@ -1837,7 +1837,7 @@
           <a:p>
             <a:fld id="{44F6E6CA-0C81-45C2-8A35-68BBF7309D72}" type="datetimeFigureOut">
               <a:rPr lang="en-US" smtClean="0"/>
-              <a:t>5/2/2022</a:t>
+              <a:t>5/4/2022</a:t>
             </a:fld>
             <a:endParaRPr lang="en-US"/>
           </a:p>
@@ -1979,7 +1979,7 @@
           <a:p>
             <a:fld id="{44F6E6CA-0C81-45C2-8A35-68BBF7309D72}" type="datetimeFigureOut">
               <a:rPr lang="en-US" smtClean="0"/>
-              <a:t>5/2/2022</a:t>
+              <a:t>5/4/2022</a:t>
             </a:fld>
             <a:endParaRPr lang="en-US"/>
           </a:p>
@@ -2092,7 +2092,7 @@
           <a:p>
             <a:fld id="{44F6E6CA-0C81-45C2-8A35-68BBF7309D72}" type="datetimeFigureOut">
               <a:rPr lang="en-US" smtClean="0"/>
-              <a:t>5/2/2022</a:t>
+              <a:t>5/4/2022</a:t>
             </a:fld>
             <a:endParaRPr lang="en-US"/>
           </a:p>
@@ -2405,7 +2405,7 @@
           <a:p>
             <a:fld id="{44F6E6CA-0C81-45C2-8A35-68BBF7309D72}" type="datetimeFigureOut">
               <a:rPr lang="en-US" smtClean="0"/>
-              <a:t>5/2/2022</a:t>
+              <a:t>5/4/2022</a:t>
             </a:fld>
             <a:endParaRPr lang="en-US"/>
           </a:p>
@@ -2694,7 +2694,7 @@
           <a:p>
             <a:fld id="{44F6E6CA-0C81-45C2-8A35-68BBF7309D72}" type="datetimeFigureOut">
               <a:rPr lang="en-US" smtClean="0"/>
-              <a:t>5/2/2022</a:t>
+              <a:t>5/4/2022</a:t>
             </a:fld>
             <a:endParaRPr lang="en-US"/>
           </a:p>
@@ -2937,7 +2937,7 @@
           <a:p>
             <a:fld id="{44F6E6CA-0C81-45C2-8A35-68BBF7309D72}" type="datetimeFigureOut">
               <a:rPr lang="en-US" smtClean="0"/>
-              <a:t>5/2/2022</a:t>
+              <a:t>5/4/2022</a:t>
             </a:fld>
             <a:endParaRPr lang="en-US"/>
           </a:p>
@@ -4058,8 +4058,8 @@
         </p:nvSpPr>
         <p:spPr>
           <a:xfrm>
-            <a:off x="838200" y="1287781"/>
-            <a:ext cx="10515600" cy="1729740"/>
+            <a:off x="838199" y="1287782"/>
+            <a:ext cx="10848703" cy="5205094"/>
           </a:xfrm>
         </p:spPr>
         <p:txBody>
@@ -4072,7 +4072,7 @@
               <a:buNone/>
             </a:pPr>
             <a:r>
-              <a:rPr lang="ru-RU" sz="2400" b="1" dirty="0">
+              <a:rPr lang="ru-RU" sz="2100" b="1" dirty="0">
                 <a:solidFill>
                   <a:srgbClr val="0070C0"/>
                 </a:solidFill>
@@ -4080,18 +4080,85 @@
               <a:t>Микросервисная Архитектура </a:t>
             </a:r>
             <a:r>
-              <a:rPr lang="ru-RU" sz="2400" dirty="0"/>
-              <a:t>– это способ создания приложения при помощи разделения его на несколько </a:t>
-            </a:r>
-            <a:r>
-              <a:rPr lang="ru-RU" sz="2400" b="1" dirty="0"/>
+              <a:rPr lang="ru-RU" sz="2100" dirty="0"/>
+              <a:t>– это способ создания приложений при помощи разделения его на несколько </a:t>
+            </a:r>
+            <a:r>
+              <a:rPr lang="ru-RU" sz="2100" b="1" dirty="0"/>
               <a:t>слабо связанных </a:t>
             </a:r>
             <a:r>
-              <a:rPr lang="ru-RU" sz="2400" dirty="0"/>
+              <a:rPr lang="ru-RU" sz="2100" dirty="0"/>
               <a:t>и взаимодействующих друг с другом Сервисов.</a:t>
             </a:r>
-            <a:endParaRPr lang="en-US" sz="2400" dirty="0"/>
+            <a:endParaRPr lang="en-US" sz="2100" dirty="0"/>
+          </a:p>
+          <a:p>
+            <a:pPr marL="0" indent="0">
+              <a:buNone/>
+            </a:pPr>
+            <a:endParaRPr lang="en-US" sz="2100" dirty="0"/>
+          </a:p>
+          <a:p>
+            <a:pPr marL="0" indent="0">
+              <a:buNone/>
+            </a:pPr>
+            <a:r>
+              <a:rPr lang="ru-MD" sz="2100" dirty="0"/>
+              <a:t>Микросервисная Архитектура помогает достичь таких преимуществ как:</a:t>
+            </a:r>
+          </a:p>
+          <a:p>
+            <a:r>
+              <a:rPr lang="ru-MD" sz="2100" dirty="0"/>
+              <a:t>Лучшее масштабирование</a:t>
+            </a:r>
+          </a:p>
+          <a:p>
+            <a:r>
+              <a:rPr lang="ru-MD" sz="2100" dirty="0"/>
+              <a:t>Более простое внесение изменений в проект</a:t>
+            </a:r>
+          </a:p>
+          <a:p>
+            <a:r>
+              <a:rPr lang="ru-MD" sz="2100" dirty="0"/>
+              <a:t>Разнообразие технологий при разработке.</a:t>
+            </a:r>
+          </a:p>
+          <a:p>
+            <a:pPr marL="0" indent="0">
+              <a:buNone/>
+            </a:pPr>
+            <a:endParaRPr lang="en-US" sz="2100" dirty="0"/>
+          </a:p>
+          <a:p>
+            <a:pPr marL="0" indent="0">
+              <a:buNone/>
+            </a:pPr>
+            <a:r>
+              <a:rPr lang="ru-MD" sz="2100" dirty="0"/>
+              <a:t>Недостатки использования микросервисов:</a:t>
+            </a:r>
+          </a:p>
+          <a:p>
+            <a:r>
+              <a:rPr lang="ru-MD" sz="2100" dirty="0"/>
+              <a:t>Повышенная сложность – необходимость в компетентных специалистах</a:t>
+            </a:r>
+          </a:p>
+          <a:p>
+            <a:r>
+              <a:rPr lang="ru-MD" sz="2100" dirty="0"/>
+              <a:t>Сетевые задержки</a:t>
+            </a:r>
+          </a:p>
+          <a:p>
+            <a:r>
+              <a:rPr lang="ru-MD" sz="2100" dirty="0"/>
+              <a:t>Необходимость обеспечения целостности данных.</a:t>
+            </a:r>
+            <a:endParaRPr lang="en-US" sz="2100" dirty="0"/>
           </a:p>
         </p:txBody>
       </p:sp>
@@ -4185,8 +4252,8 @@
         </p:nvSpPr>
         <p:spPr>
           <a:xfrm>
-            <a:off x="838200" y="1287780"/>
-            <a:ext cx="10515600" cy="4889183"/>
+            <a:off x="838200" y="1287781"/>
+            <a:ext cx="10515600" cy="4877888"/>
           </a:xfrm>
         </p:spPr>
         <p:txBody>
@@ -4200,8 +4267,87 @@
             </a:pPr>
             <a:r>
               <a:rPr lang="ru-MD" sz="2400" dirty="0"/>
-              <a:t>фыв</a:t>
-            </a:r>
+              <a:t>Проект, разработанный в рамках дипломной работы – это чат, использующий Микросервисную Архитектуру. </a:t>
+            </a:r>
+          </a:p>
+          <a:p>
+            <a:pPr marL="0" indent="0">
+              <a:buNone/>
+            </a:pPr>
+            <a:r>
+              <a:rPr lang="ru-MD" sz="2400" dirty="0"/>
+              <a:t>Таким образом, станет возможно показать преимущества и недостатки использования микросервисов на практическом примере.</a:t>
+            </a:r>
+            <a:endParaRPr lang="en-US" sz="2400" dirty="0"/>
+          </a:p>
+          <a:p>
+            <a:pPr marL="0" indent="0">
+              <a:buNone/>
+            </a:pPr>
+            <a:endParaRPr lang="en-US" sz="2400" dirty="0"/>
+          </a:p>
+          <a:p>
+            <a:pPr marL="0" indent="0">
+              <a:buNone/>
+            </a:pPr>
+            <a:r>
+              <a:rPr lang="ru-MD" sz="2400" dirty="0"/>
+              <a:t>Используемые технологии:</a:t>
+            </a:r>
+          </a:p>
+          <a:p>
+            <a:r>
+              <a:rPr lang="en-US" sz="2400" b="1" dirty="0"/>
+              <a:t>Front-End:</a:t>
+            </a:r>
+            <a:r>
+              <a:rPr lang="en-US" sz="2400" dirty="0"/>
+              <a:t> Angular 13.3</a:t>
+            </a:r>
+          </a:p>
+          <a:p>
+            <a:r>
+              <a:rPr lang="en-US" sz="2400" b="1" dirty="0"/>
+              <a:t>Back-End: </a:t>
+            </a:r>
+            <a:r>
+              <a:rPr lang="en-US" sz="2400" dirty="0" err="1"/>
+              <a:t>.Net</a:t>
+            </a:r>
+            <a:r>
+              <a:rPr lang="en-US" sz="2400" dirty="0"/>
+              <a:t> 6, C# 9.0</a:t>
+            </a:r>
+          </a:p>
+          <a:p>
+            <a:r>
+              <a:rPr lang="ru-MD" sz="2400" b="1" dirty="0"/>
+              <a:t>СУБД:</a:t>
+            </a:r>
+            <a:r>
+              <a:rPr lang="ru-MD" sz="2400" dirty="0"/>
+              <a:t> </a:t>
+            </a:r>
+            <a:r>
+              <a:rPr lang="en-US" sz="2400" dirty="0"/>
+              <a:t>Microsoft SQL Server 2019</a:t>
+            </a:r>
+          </a:p>
+          <a:p>
+            <a:r>
+              <a:rPr lang="en-US" sz="2400" b="1" dirty="0"/>
+              <a:t>Message Queue Service:</a:t>
+            </a:r>
+            <a:r>
+              <a:rPr lang="en-US" sz="2400" dirty="0"/>
+              <a:t> RabbitMQ</a:t>
+            </a:r>
+            <a:endParaRPr lang="ru-MD" sz="2400" dirty="0"/>
+          </a:p>
+          <a:p>
+            <a:pPr marL="0" indent="0">
+              <a:buNone/>
+            </a:pPr>
             <a:endParaRPr lang="en-US" sz="2400" dirty="0"/>
           </a:p>
         </p:txBody>
@@ -4757,6 +4903,131 @@
           </a:p>
         </p:txBody>
       </p:sp>
+      <p:pic>
+        <p:nvPicPr>
+          <p:cNvPr id="5" name="Picture 4" descr="Graphical user interface, application&#10;&#10;Description automatically generated">
+            <a:extLst>
+              <a:ext uri="{FF2B5EF4-FFF2-40B4-BE49-F238E27FC236}">
+                <a16:creationId xmlns:a16="http://schemas.microsoft.com/office/drawing/2014/main" id="{EB65C05B-92BF-0A41-F0FC-B67310346851}"/>
+              </a:ext>
+            </a:extLst>
+          </p:cNvPr>
+          <p:cNvPicPr>
+            <a:picLocks noChangeAspect="1"/>
+          </p:cNvPicPr>
+          <p:nvPr/>
+        </p:nvPicPr>
+        <p:blipFill rotWithShape="1">
+          <a:blip r:embed="rId2"/>
+          <a:srcRect r="5724" b="6326"/>
+          <a:stretch/>
+        </p:blipFill>
+        <p:spPr bwMode="auto">
+          <a:xfrm>
+            <a:off x="1336658" y="3914370"/>
+            <a:ext cx="4460419" cy="2044024"/>
+          </a:xfrm>
+          <a:prstGeom prst="rect">
+            <a:avLst/>
+          </a:prstGeom>
+          <a:ln>
+            <a:noFill/>
+          </a:ln>
+          <a:extLst>
+            <a:ext uri="{53640926-AAD7-44D8-BBD7-CCE9431645EC}">
+              <a14:shadowObscured xmlns:a14="http://schemas.microsoft.com/office/drawing/2010/main"/>
+            </a:ext>
+          </a:extLst>
+        </p:spPr>
+      </p:pic>
+      <p:pic>
+        <p:nvPicPr>
+          <p:cNvPr id="6" name="Picture 5">
+            <a:extLst>
+              <a:ext uri="{FF2B5EF4-FFF2-40B4-BE49-F238E27FC236}">
+                <a16:creationId xmlns:a16="http://schemas.microsoft.com/office/drawing/2014/main" id="{E8FD2C63-ECD4-0D2F-76F1-C504F4FD5703}"/>
+              </a:ext>
+            </a:extLst>
+          </p:cNvPr>
+          <p:cNvPicPr>
+            <a:picLocks noChangeAspect="1"/>
+          </p:cNvPicPr>
+          <p:nvPr/>
+        </p:nvPicPr>
+        <p:blipFill>
+          <a:blip r:embed="rId3"/>
+          <a:stretch>
+            <a:fillRect/>
+          </a:stretch>
+        </p:blipFill>
+        <p:spPr>
+          <a:xfrm>
+            <a:off x="1316361" y="1686843"/>
+            <a:ext cx="4501015" cy="2363455"/>
+          </a:xfrm>
+          <a:prstGeom prst="rect">
+            <a:avLst/>
+          </a:prstGeom>
+        </p:spPr>
+      </p:pic>
+      <p:pic>
+        <p:nvPicPr>
+          <p:cNvPr id="8" name="Picture 7">
+            <a:extLst>
+              <a:ext uri="{FF2B5EF4-FFF2-40B4-BE49-F238E27FC236}">
+                <a16:creationId xmlns:a16="http://schemas.microsoft.com/office/drawing/2014/main" id="{2823F17F-18B9-F5D8-9A42-B4C6CBF917D1}"/>
+              </a:ext>
+            </a:extLst>
+          </p:cNvPr>
+          <p:cNvPicPr>
+            <a:picLocks noChangeAspect="1"/>
+          </p:cNvPicPr>
+          <p:nvPr/>
+        </p:nvPicPr>
+        <p:blipFill rotWithShape="1">
+          <a:blip r:embed="rId4"/>
+          <a:srcRect r="53216"/>
+          <a:stretch/>
+        </p:blipFill>
+        <p:spPr>
+          <a:xfrm>
+            <a:off x="6838784" y="1133070"/>
+            <a:ext cx="3493607" cy="2781300"/>
+          </a:xfrm>
+          <a:prstGeom prst="rect">
+            <a:avLst/>
+          </a:prstGeom>
+        </p:spPr>
+      </p:pic>
+      <p:pic>
+        <p:nvPicPr>
+          <p:cNvPr id="9" name="Picture 8">
+            <a:extLst>
+              <a:ext uri="{FF2B5EF4-FFF2-40B4-BE49-F238E27FC236}">
+                <a16:creationId xmlns:a16="http://schemas.microsoft.com/office/drawing/2014/main" id="{E1BD6563-0F8B-5710-EE48-0BC3BB274418}"/>
+              </a:ext>
+            </a:extLst>
+          </p:cNvPr>
+          <p:cNvPicPr>
+            <a:picLocks noChangeAspect="1"/>
+          </p:cNvPicPr>
+          <p:nvPr/>
+        </p:nvPicPr>
+        <p:blipFill rotWithShape="1">
+          <a:blip r:embed="rId4"/>
+          <a:srcRect l="53216" t="3211" b="11197"/>
+          <a:stretch/>
+        </p:blipFill>
+        <p:spPr>
+          <a:xfrm>
+            <a:off x="6636690" y="3810485"/>
+            <a:ext cx="3897796" cy="2655989"/>
+          </a:xfrm>
+          <a:prstGeom prst="rect">
+            <a:avLst/>
+          </a:prstGeom>
+        </p:spPr>
+      </p:pic>
     </p:spTree>
     <p:extLst>
       <p:ext uri="{BB962C8B-B14F-4D97-AF65-F5344CB8AC3E}">

--- a/Semester 6/Diploma/Презентация Дипломная Работа Чобану Артём I1902.pptx
+++ b/Semester 6/Diploma/Презентация Дипломная Работа Чобану Артём I1902.pptx
@@ -3732,8 +3732,8 @@
               <a:buNone/>
             </a:pPr>
             <a:r>
-              <a:rPr lang="ru-RU" dirty="0"/>
-              <a:t>Июнь 2021</a:t>
+              <a:rPr lang="ru-RU"/>
+              <a:t>Июнь 2022</a:t>
             </a:r>
             <a:endParaRPr lang="en-GB" dirty="0"/>
           </a:p>

--- a/Semester 6/Diploma/Презентация Дипломная Работа Чобану Артём I1902.pptx
+++ b/Semester 6/Diploma/Презентация Дипломная Работа Чобану Артём I1902.pptx
@@ -8,11 +8,12 @@
     <p:sldId id="256" r:id="rId2"/>
     <p:sldId id="257" r:id="rId3"/>
     <p:sldId id="258" r:id="rId4"/>
-    <p:sldId id="259" r:id="rId5"/>
-    <p:sldId id="261" r:id="rId6"/>
-    <p:sldId id="268" r:id="rId7"/>
-    <p:sldId id="271" r:id="rId8"/>
-    <p:sldId id="270" r:id="rId9"/>
+    <p:sldId id="272" r:id="rId5"/>
+    <p:sldId id="259" r:id="rId6"/>
+    <p:sldId id="261" r:id="rId7"/>
+    <p:sldId id="268" r:id="rId8"/>
+    <p:sldId id="271" r:id="rId9"/>
+    <p:sldId id="270" r:id="rId10"/>
   </p:sldIdLst>
   <p:sldSz cx="12192000" cy="6858000"/>
   <p:notesSz cx="6858000" cy="9144000"/>
@@ -268,7 +269,7 @@
           <a:p>
             <a:fld id="{44F6E6CA-0C81-45C2-8A35-68BBF7309D72}" type="datetimeFigureOut">
               <a:rPr lang="en-US" smtClean="0"/>
-              <a:t>5/4/2022</a:t>
+              <a:t>6/14/2022</a:t>
             </a:fld>
             <a:endParaRPr lang="en-US"/>
           </a:p>
@@ -468,7 +469,7 @@
           <a:p>
             <a:fld id="{44F6E6CA-0C81-45C2-8A35-68BBF7309D72}" type="datetimeFigureOut">
               <a:rPr lang="en-US" smtClean="0"/>
-              <a:t>5/4/2022</a:t>
+              <a:t>6/14/2022</a:t>
             </a:fld>
             <a:endParaRPr lang="en-US"/>
           </a:p>
@@ -678,7 +679,7 @@
           <a:p>
             <a:fld id="{44F6E6CA-0C81-45C2-8A35-68BBF7309D72}" type="datetimeFigureOut">
               <a:rPr lang="en-US" smtClean="0"/>
-              <a:t>5/4/2022</a:t>
+              <a:t>6/14/2022</a:t>
             </a:fld>
             <a:endParaRPr lang="en-US"/>
           </a:p>
@@ -878,7 +879,7 @@
           <a:p>
             <a:fld id="{44F6E6CA-0C81-45C2-8A35-68BBF7309D72}" type="datetimeFigureOut">
               <a:rPr lang="en-US" smtClean="0"/>
-              <a:t>5/4/2022</a:t>
+              <a:t>6/14/2022</a:t>
             </a:fld>
             <a:endParaRPr lang="en-US"/>
           </a:p>
@@ -1154,7 +1155,7 @@
           <a:p>
             <a:fld id="{44F6E6CA-0C81-45C2-8A35-68BBF7309D72}" type="datetimeFigureOut">
               <a:rPr lang="en-US" smtClean="0"/>
-              <a:t>5/4/2022</a:t>
+              <a:t>6/14/2022</a:t>
             </a:fld>
             <a:endParaRPr lang="en-US"/>
           </a:p>
@@ -1422,7 +1423,7 @@
           <a:p>
             <a:fld id="{44F6E6CA-0C81-45C2-8A35-68BBF7309D72}" type="datetimeFigureOut">
               <a:rPr lang="en-US" smtClean="0"/>
-              <a:t>5/4/2022</a:t>
+              <a:t>6/14/2022</a:t>
             </a:fld>
             <a:endParaRPr lang="en-US"/>
           </a:p>
@@ -1837,7 +1838,7 @@
           <a:p>
             <a:fld id="{44F6E6CA-0C81-45C2-8A35-68BBF7309D72}" type="datetimeFigureOut">
               <a:rPr lang="en-US" smtClean="0"/>
-              <a:t>5/4/2022</a:t>
+              <a:t>6/14/2022</a:t>
             </a:fld>
             <a:endParaRPr lang="en-US"/>
           </a:p>
@@ -1979,7 +1980,7 @@
           <a:p>
             <a:fld id="{44F6E6CA-0C81-45C2-8A35-68BBF7309D72}" type="datetimeFigureOut">
               <a:rPr lang="en-US" smtClean="0"/>
-              <a:t>5/4/2022</a:t>
+              <a:t>6/14/2022</a:t>
             </a:fld>
             <a:endParaRPr lang="en-US"/>
           </a:p>
@@ -2092,7 +2093,7 @@
           <a:p>
             <a:fld id="{44F6E6CA-0C81-45C2-8A35-68BBF7309D72}" type="datetimeFigureOut">
               <a:rPr lang="en-US" smtClean="0"/>
-              <a:t>5/4/2022</a:t>
+              <a:t>6/14/2022</a:t>
             </a:fld>
             <a:endParaRPr lang="en-US"/>
           </a:p>
@@ -2405,7 +2406,7 @@
           <a:p>
             <a:fld id="{44F6E6CA-0C81-45C2-8A35-68BBF7309D72}" type="datetimeFigureOut">
               <a:rPr lang="en-US" smtClean="0"/>
-              <a:t>5/4/2022</a:t>
+              <a:t>6/14/2022</a:t>
             </a:fld>
             <a:endParaRPr lang="en-US"/>
           </a:p>
@@ -2694,7 +2695,7 @@
           <a:p>
             <a:fld id="{44F6E6CA-0C81-45C2-8A35-68BBF7309D72}" type="datetimeFigureOut">
               <a:rPr lang="en-US" smtClean="0"/>
-              <a:t>5/4/2022</a:t>
+              <a:t>6/14/2022</a:t>
             </a:fld>
             <a:endParaRPr lang="en-US"/>
           </a:p>
@@ -2937,7 +2938,7 @@
           <a:p>
             <a:fld id="{44F6E6CA-0C81-45C2-8A35-68BBF7309D72}" type="datetimeFigureOut">
               <a:rPr lang="en-US" smtClean="0"/>
-              <a:t>5/4/2022</a:t>
+              <a:t>6/14/2022</a:t>
             </a:fld>
             <a:endParaRPr lang="en-US"/>
           </a:p>
@@ -3911,7 +3912,7 @@
               <a:rPr lang="ru-RU" dirty="0">
                 <a:hlinkClick r:id="rId3" action="ppaction://hlinksldjump"/>
               </a:rPr>
-              <a:t>Концепт Проекта</a:t>
+              <a:t>Концептуальный Пример</a:t>
             </a:r>
             <a:endParaRPr lang="ru-RU" dirty="0"/>
           </a:p>
@@ -3927,7 +3928,7 @@
               <a:rPr lang="ru-RU" dirty="0">
                 <a:hlinkClick r:id="rId4" action="ppaction://hlinksldjump"/>
               </a:rPr>
-              <a:t>Архитектура Проекта</a:t>
+              <a:t>Концепт Проекта</a:t>
             </a:r>
             <a:endParaRPr lang="ru-RU" dirty="0"/>
           </a:p>
@@ -3943,7 +3944,7 @@
               <a:rPr lang="ru-RU" dirty="0">
                 <a:hlinkClick r:id="rId5" action="ppaction://hlinksldjump"/>
               </a:rPr>
-              <a:t>Демонстрация работы проекта</a:t>
+              <a:t>Архитектура Проекта</a:t>
             </a:r>
             <a:endParaRPr lang="ru-RU" dirty="0"/>
           </a:p>
@@ -3958,6 +3959,22 @@
             <a:r>
               <a:rPr lang="ru-RU" dirty="0">
                 <a:hlinkClick r:id="rId6" action="ppaction://hlinksldjump"/>
+              </a:rPr>
+              <a:t>Демонстрация работы проекта</a:t>
+            </a:r>
+            <a:endParaRPr lang="ru-RU" dirty="0"/>
+          </a:p>
+          <a:p>
+            <a:pPr>
+              <a:buClr>
+                <a:srgbClr val="0070C0"/>
+              </a:buClr>
+              <a:buFont typeface="Wingdings" panose="05000000000000000000" pitchFamily="2" charset="2"/>
+              <a:buChar char="§"/>
+            </a:pPr>
+            <a:r>
+              <a:rPr lang="ru-RU" dirty="0">
+                <a:hlinkClick r:id="rId7" action="ppaction://hlinksldjump"/>
               </a:rPr>
               <a:t>Литература и документация</a:t>
             </a:r>
@@ -4219,6 +4236,113 @@
           <a:lstStyle/>
           <a:p>
             <a:r>
+              <a:rPr lang="ru-RU" b="1" dirty="0">
+                <a:solidFill>
+                  <a:srgbClr val="0070C0"/>
+                </a:solidFill>
+              </a:rPr>
+              <a:t>Концептуальный пример</a:t>
+            </a:r>
+            <a:endParaRPr lang="en-US" b="1" dirty="0">
+              <a:solidFill>
+                <a:srgbClr val="0070C0"/>
+              </a:solidFill>
+            </a:endParaRPr>
+          </a:p>
+        </p:txBody>
+      </p:sp>
+      <p:pic>
+        <p:nvPicPr>
+          <p:cNvPr id="7" name="Content Placeholder 6">
+            <a:extLst>
+              <a:ext uri="{FF2B5EF4-FFF2-40B4-BE49-F238E27FC236}">
+                <a16:creationId xmlns:a16="http://schemas.microsoft.com/office/drawing/2014/main" id="{1D416EE3-14D1-640D-21A2-3AE3C6897105}"/>
+              </a:ext>
+            </a:extLst>
+          </p:cNvPr>
+          <p:cNvPicPr>
+            <a:picLocks noGrp="1" noChangeAspect="1"/>
+          </p:cNvPicPr>
+          <p:nvPr>
+            <p:ph idx="1"/>
+          </p:nvPr>
+        </p:nvPicPr>
+        <p:blipFill>
+          <a:blip r:embed="rId2">
+            <a:extLst>
+              <a:ext uri="{28A0092B-C50C-407E-A947-70E740481C1C}">
+                <a14:useLocalDpi xmlns:a14="http://schemas.microsoft.com/office/drawing/2010/main" val="0"/>
+              </a:ext>
+            </a:extLst>
+          </a:blip>
+          <a:stretch>
+            <a:fillRect/>
+          </a:stretch>
+        </p:blipFill>
+        <p:spPr>
+          <a:xfrm>
+            <a:off x="1412888" y="1825625"/>
+            <a:ext cx="9366223" cy="4351338"/>
+          </a:xfrm>
+        </p:spPr>
+      </p:pic>
+    </p:spTree>
+    <p:extLst>
+      <p:ext uri="{BB962C8B-B14F-4D97-AF65-F5344CB8AC3E}">
+        <p14:creationId xmlns:p14="http://schemas.microsoft.com/office/powerpoint/2010/main" val="2478212559"/>
+      </p:ext>
+    </p:extLst>
+  </p:cSld>
+  <p:clrMapOvr>
+    <a:masterClrMapping/>
+  </p:clrMapOvr>
+</p:sld>
+</file>
+
+<file path=ppt/slides/slide5.xml><?xml version="1.0" encoding="utf-8"?>
+<p:sld xmlns:a="http://schemas.openxmlformats.org/drawingml/2006/main" xmlns:r="http://schemas.openxmlformats.org/officeDocument/2006/relationships" xmlns:p="http://schemas.openxmlformats.org/presentationml/2006/main">
+  <p:cSld>
+    <p:spTree>
+      <p:nvGrpSpPr>
+        <p:cNvPr id="1" name=""/>
+        <p:cNvGrpSpPr/>
+        <p:nvPr/>
+      </p:nvGrpSpPr>
+      <p:grpSpPr>
+        <a:xfrm>
+          <a:off x="0" y="0"/>
+          <a:ext cx="0" cy="0"/>
+          <a:chOff x="0" y="0"/>
+          <a:chExt cx="0" cy="0"/>
+        </a:xfrm>
+      </p:grpSpPr>
+      <p:sp>
+        <p:nvSpPr>
+          <p:cNvPr id="2" name="Заголовок 1">
+            <a:extLst>
+              <a:ext uri="{FF2B5EF4-FFF2-40B4-BE49-F238E27FC236}">
+                <a16:creationId xmlns:a16="http://schemas.microsoft.com/office/drawing/2014/main" id="{778915A5-E14A-49AA-AADE-1D6423E886F0}"/>
+              </a:ext>
+            </a:extLst>
+          </p:cNvPr>
+          <p:cNvSpPr>
+            <a:spLocks noGrp="1"/>
+          </p:cNvSpPr>
+          <p:nvPr>
+            <p:ph type="title"/>
+          </p:nvPr>
+        </p:nvSpPr>
+        <p:spPr>
+          <a:xfrm>
+            <a:off x="838200" y="365125"/>
+            <a:ext cx="10515600" cy="922655"/>
+          </a:xfrm>
+        </p:spPr>
+        <p:txBody>
+          <a:bodyPr/>
+          <a:lstStyle/>
+          <a:p>
+            <a:r>
               <a:rPr lang="ru-MD" b="1" dirty="0">
                 <a:solidFill>
                   <a:srgbClr val="0070C0"/>
@@ -4365,7 +4489,7 @@
 </p:sld>
 </file>
 
-<file path=ppt/slides/slide5.xml><?xml version="1.0" encoding="utf-8"?>
+<file path=ppt/slides/slide6.xml><?xml version="1.0" encoding="utf-8"?>
 <p:sld xmlns:a="http://schemas.openxmlformats.org/drawingml/2006/main" xmlns:r="http://schemas.openxmlformats.org/officeDocument/2006/relationships" xmlns:p="http://schemas.openxmlformats.org/presentationml/2006/main">
   <p:cSld>
     <p:spTree>
@@ -4600,7 +4724,7 @@
 </p:sld>
 </file>
 
-<file path=ppt/slides/slide6.xml><?xml version="1.0" encoding="utf-8"?>
+<file path=ppt/slides/slide7.xml><?xml version="1.0" encoding="utf-8"?>
 <p:sld xmlns:a="http://schemas.openxmlformats.org/drawingml/2006/main" xmlns:r="http://schemas.openxmlformats.org/officeDocument/2006/relationships" xmlns:p="http://schemas.openxmlformats.org/presentationml/2006/main">
   <p:cSld>
     <p:spTree>
@@ -4806,7 +4930,7 @@
 </p:sld>
 </file>
 
-<file path=ppt/slides/slide7.xml><?xml version="1.0" encoding="utf-8"?>
+<file path=ppt/slides/slide8.xml><?xml version="1.0" encoding="utf-8"?>
 <p:sld xmlns:a="http://schemas.openxmlformats.org/drawingml/2006/main" xmlns:r="http://schemas.openxmlformats.org/officeDocument/2006/relationships" xmlns:p="http://schemas.openxmlformats.org/presentationml/2006/main">
   <p:cSld>
     <p:spTree>
@@ -5041,7 +5165,7 @@
 </p:sld>
 </file>
 
-<file path=ppt/slides/slide8.xml><?xml version="1.0" encoding="utf-8"?>
+<file path=ppt/slides/slide9.xml><?xml version="1.0" encoding="utf-8"?>
 <p:sld xmlns:a="http://schemas.openxmlformats.org/drawingml/2006/main" xmlns:r="http://schemas.openxmlformats.org/officeDocument/2006/relationships" xmlns:p="http://schemas.openxmlformats.org/presentationml/2006/main">
   <p:cSld>
     <p:spTree>
